--- a/artigo e apresentação/artigo tgsi cleomar slides 15-12 final.pptx
+++ b/artigo e apresentação/artigo tgsi cleomar slides 15-12 final.pptx
@@ -1266,7 +1266,112 @@
           <a:bodyPr/>
           <a:lstStyle/>
           <a:p>
-            <a:endParaRPr lang="pt-BR" dirty="0"/>
+            <a:r>
+              <a:rPr lang="pt-BR" sz="1000" b="0" i="0" u="none" strike="noStrike" kern="1200" baseline="0" dirty="0">
+                <a:solidFill>
+                  <a:schemeClr val="tx1"/>
+                </a:solidFill>
+                <a:latin typeface="+mn-lt"/>
+                <a:ea typeface="+mn-ea"/>
+                <a:cs typeface="+mn-cs"/>
+              </a:rPr>
+              <a:t>diferença em relação escopo dos trabalhos, os outros baseados em quesitos da usabilidade e, no estudo em questão, foram contemplados, também, aspectos como</a:t>
+            </a:r>
+          </a:p>
+          <a:p>
+            <a:r>
+              <a:rPr lang="pt-BR" sz="1000" b="0" i="0" u="none" strike="noStrike" kern="1200" baseline="0" dirty="0">
+                <a:solidFill>
+                  <a:schemeClr val="tx1"/>
+                </a:solidFill>
+                <a:latin typeface="+mn-lt"/>
+                <a:ea typeface="+mn-ea"/>
+                <a:cs typeface="+mn-cs"/>
+              </a:rPr>
+              <a:t>acessibilidade e ergonomia. fortalecer a ideia da importância de remodelar o ambiente anteriormente empregado pelo Curso de SI da</a:t>
+            </a:r>
+          </a:p>
+          <a:p>
+            <a:r>
+              <a:rPr lang="pt-BR" sz="1000" b="0" i="0" u="none" strike="noStrike" kern="1200" baseline="0" dirty="0">
+                <a:solidFill>
+                  <a:schemeClr val="tx1"/>
+                </a:solidFill>
+                <a:latin typeface="+mn-lt"/>
+                <a:ea typeface="+mn-ea"/>
+                <a:cs typeface="+mn-cs"/>
+              </a:rPr>
+              <a:t>UFSM/FW, a fim de potencializar as chances de aprendizagem, aumentar </a:t>
+            </a:r>
+            <a:r>
+              <a:rPr lang="pt-BR" sz="1000" b="0" i="0" u="none" strike="noStrike" kern="1200" baseline="0">
+                <a:solidFill>
+                  <a:schemeClr val="tx1"/>
+                </a:solidFill>
+                <a:latin typeface="+mn-lt"/>
+                <a:ea typeface="+mn-ea"/>
+                <a:cs typeface="+mn-cs"/>
+              </a:rPr>
+              <a:t>a interação dos </a:t>
+            </a:r>
+            <a:r>
+              <a:rPr lang="pt-BR" sz="1000" b="0" i="0" u="none" strike="noStrike" kern="1200" baseline="0" dirty="0">
+                <a:solidFill>
+                  <a:schemeClr val="tx1"/>
+                </a:solidFill>
+                <a:latin typeface="+mn-lt"/>
+                <a:ea typeface="+mn-ea"/>
+                <a:cs typeface="+mn-cs"/>
+              </a:rPr>
+              <a:t>usuários do AVA </a:t>
+            </a:r>
+            <a:r>
+              <a:rPr lang="pt-BR" sz="1000" b="0" i="1" u="none" strike="noStrike" kern="1200" baseline="0" dirty="0" err="1">
+                <a:solidFill>
+                  <a:schemeClr val="tx1"/>
+                </a:solidFill>
+                <a:latin typeface="+mn-lt"/>
+                <a:ea typeface="+mn-ea"/>
+                <a:cs typeface="+mn-cs"/>
+              </a:rPr>
+              <a:t>Moodle</a:t>
+            </a:r>
+            <a:r>
+              <a:rPr lang="pt-BR" sz="1000" b="0" i="1" u="none" strike="noStrike" kern="1200" baseline="0" dirty="0">
+                <a:solidFill>
+                  <a:schemeClr val="tx1"/>
+                </a:solidFill>
+                <a:latin typeface="+mn-lt"/>
+                <a:ea typeface="+mn-ea"/>
+                <a:cs typeface="+mn-cs"/>
+              </a:rPr>
+              <a:t>, </a:t>
+            </a:r>
+            <a:r>
+              <a:rPr lang="pt-BR" sz="1000" b="0" i="0" u="none" strike="noStrike" kern="1200" baseline="0" dirty="0">
+                <a:solidFill>
+                  <a:schemeClr val="tx1"/>
+                </a:solidFill>
+                <a:latin typeface="+mn-lt"/>
+                <a:ea typeface="+mn-ea"/>
+                <a:cs typeface="+mn-cs"/>
+              </a:rPr>
+              <a:t>além de contemplar o maior número possível de</a:t>
+            </a:r>
+          </a:p>
+          <a:p>
+            <a:r>
+              <a:rPr lang="pt-BR" sz="1000" b="0" i="0" u="none" strike="noStrike" kern="1200" baseline="0" dirty="0">
+                <a:solidFill>
+                  <a:schemeClr val="tx1"/>
+                </a:solidFill>
+                <a:latin typeface="+mn-lt"/>
+                <a:ea typeface="+mn-ea"/>
+                <a:cs typeface="+mn-cs"/>
+              </a:rPr>
+              <a:t>usuários, capaz de tornar o sistema adaptável para qualquer potencial usuário.</a:t>
+            </a:r>
+            <a:endParaRPr lang="pt-BR" sz="1000" dirty="0"/>
           </a:p>
         </p:txBody>
       </p:sp>
